--- a/PA/y9acting/Lesson 3 YC - Young Offenders Institution.pptx
+++ b/PA/y9acting/Lesson 3 YC - Young Offenders Institution.pptx
@@ -10813,7 +10813,7 @@
           </a:effectLst>
           <a:extLst>
             <a:ext uri="{91240B29-F687-4f45-9708-019B960494DF}">
-              <a14:hiddenLine xmlns:a14="http://schemas.microsoft.com/office/drawing/2010/main" xmlns="" w="9525">
+              <a14:hiddenLine xmlns="" xmlns:a14="http://schemas.microsoft.com/office/drawing/2010/main" w="9525">
                 <a:solidFill>
                   <a:schemeClr val="tx1"/>
                 </a:solidFill>
@@ -10823,7 +10823,7 @@
               </a14:hiddenLine>
             </a:ext>
             <a:ext uri="{AF507438-7753-43e0-B8FC-AC1667EBCBE1}">
-              <a14:hiddenEffects xmlns:a14="http://schemas.microsoft.com/office/drawing/2010/main" xmlns="">
+              <a14:hiddenEffects xmlns="" xmlns:a14="http://schemas.microsoft.com/office/drawing/2010/main">
                 <a:effectLst>
                   <a:outerShdw dist="35921" dir="2700000" algn="ctr" rotWithShape="0">
                     <a:schemeClr val="bg2"/>
@@ -11204,7 +11204,7 @@
           <a:noFill/>
           <a:extLst>
             <a:ext uri="{909E8E84-426E-40dd-AFC4-6F175D3DCCD1}">
-              <a14:hiddenFill xmlns:a14="http://schemas.microsoft.com/office/drawing/2010/main" xmlns="">
+              <a14:hiddenFill xmlns="" xmlns:a14="http://schemas.microsoft.com/office/drawing/2010/main">
                 <a:solidFill>
                   <a:srgbClr val="FFFFFF"/>
                 </a:solidFill>
@@ -11586,7 +11586,7 @@
           <a:noFill/>
           <a:extLst>
             <a:ext uri="{909E8E84-426E-40dd-AFC4-6F175D3DCCD1}">
-              <a14:hiddenFill xmlns:a14="http://schemas.microsoft.com/office/drawing/2010/main" xmlns="">
+              <a14:hiddenFill xmlns="" xmlns:a14="http://schemas.microsoft.com/office/drawing/2010/main">
                 <a:solidFill>
                   <a:srgbClr val="FFFFFF"/>
                 </a:solidFill>
@@ -11806,7 +11806,7 @@
           </a:effectLst>
           <a:extLst>
             <a:ext uri="{91240B29-F687-4f45-9708-019B960494DF}">
-              <a14:hiddenLine xmlns:a14="http://schemas.microsoft.com/office/drawing/2010/main" xmlns="" w="9525">
+              <a14:hiddenLine xmlns="" xmlns:a14="http://schemas.microsoft.com/office/drawing/2010/main" w="9525">
                 <a:solidFill>
                   <a:schemeClr val="tx1"/>
                 </a:solidFill>
@@ -11816,7 +11816,7 @@
               </a14:hiddenLine>
             </a:ext>
             <a:ext uri="{AF507438-7753-43e0-B8FC-AC1667EBCBE1}">
-              <a14:hiddenEffects xmlns:a14="http://schemas.microsoft.com/office/drawing/2010/main" xmlns="">
+              <a14:hiddenEffects xmlns="" xmlns:a14="http://schemas.microsoft.com/office/drawing/2010/main">
                 <a:effectLst>
                   <a:outerShdw dist="35921" dir="2700000" algn="ctr" rotWithShape="0">
                     <a:schemeClr val="bg2"/>
@@ -12207,7 +12207,7 @@
           </a:effectLst>
           <a:extLst>
             <a:ext uri="{91240B29-F687-4f45-9708-019B960494DF}">
-              <a14:hiddenLine xmlns:a14="http://schemas.microsoft.com/office/drawing/2010/main" xmlns="" w="9525">
+              <a14:hiddenLine xmlns="" xmlns:a14="http://schemas.microsoft.com/office/drawing/2010/main" w="9525">
                 <a:solidFill>
                   <a:schemeClr val="tx1"/>
                 </a:solidFill>
@@ -12217,7 +12217,7 @@
               </a14:hiddenLine>
             </a:ext>
             <a:ext uri="{AF507438-7753-43e0-B8FC-AC1667EBCBE1}">
-              <a14:hiddenEffects xmlns:a14="http://schemas.microsoft.com/office/drawing/2010/main" xmlns="">
+              <a14:hiddenEffects xmlns="" xmlns:a14="http://schemas.microsoft.com/office/drawing/2010/main">
                 <a:effectLst>
                   <a:outerShdw dist="35921" dir="2700000" algn="ctr" rotWithShape="0">
                     <a:schemeClr val="bg2"/>
@@ -12507,7 +12507,7 @@
           </a:effectLst>
           <a:extLst>
             <a:ext uri="{91240B29-F687-4f45-9708-019B960494DF}">
-              <a14:hiddenLine xmlns:a14="http://schemas.microsoft.com/office/drawing/2010/main" xmlns="" w="9525">
+              <a14:hiddenLine xmlns="" xmlns:a14="http://schemas.microsoft.com/office/drawing/2010/main" w="9525">
                 <a:solidFill>
                   <a:schemeClr val="tx1"/>
                 </a:solidFill>
@@ -12517,7 +12517,7 @@
               </a14:hiddenLine>
             </a:ext>
             <a:ext uri="{AF507438-7753-43e0-B8FC-AC1667EBCBE1}">
-              <a14:hiddenEffects xmlns:a14="http://schemas.microsoft.com/office/drawing/2010/main" xmlns="">
+              <a14:hiddenEffects xmlns="" xmlns:a14="http://schemas.microsoft.com/office/drawing/2010/main">
                 <a:effectLst>
                   <a:outerShdw dist="35921" dir="2700000" algn="ctr" rotWithShape="0">
                     <a:schemeClr val="bg2"/>
@@ -12887,7 +12887,12 @@
             <p:ph type="title"/>
           </p:nvPr>
         </p:nvSpPr>
-        <p:spPr/>
+        <p:spPr>
+          <a:xfrm>
+            <a:off x="457200" y="260648"/>
+            <a:ext cx="8229600" cy="1584176"/>
+          </a:xfrm>
+        </p:spPr>
         <p:txBody>
           <a:bodyPr>
             <a:normAutofit/>
@@ -12895,8 +12900,12 @@
           <a:lstStyle/>
           <a:p>
             <a:r>
-              <a:rPr lang="en-GB" sz="6600" dirty="0" smtClean="0"/>
-              <a:t>WALT:</a:t>
+              <a:rPr lang="en-GB" sz="6600" smtClean="0"/>
+              <a:t>Lesson Objectives</a:t>
+            </a:r>
+            <a:r>
+              <a:rPr lang="en-GB" sz="6600" smtClean="0"/>
+              <a:t>:</a:t>
             </a:r>
             <a:endParaRPr lang="en-GB" sz="6600" dirty="0"/>
           </a:p>
@@ -13165,8 +13174,12 @@
           <a:lstStyle/>
           <a:p>
             <a:r>
-              <a:rPr lang="en-GB" sz="7200" smtClean="0"/>
-              <a:t>WILF:</a:t>
+              <a:rPr lang="en-GB" sz="7200" dirty="0" smtClean="0"/>
+              <a:t>Lesson Outcomes</a:t>
+            </a:r>
+            <a:r>
+              <a:rPr lang="en-GB" sz="7200" dirty="0" smtClean="0"/>
+              <a:t>:</a:t>
             </a:r>
             <a:endParaRPr lang="en-GB" sz="7200" dirty="0"/>
           </a:p>
@@ -13283,7 +13296,7 @@
         </p:nvSpPr>
         <p:spPr>
           <a:xfrm>
-            <a:off x="179512" y="274638"/>
+            <a:off x="228599" y="260648"/>
             <a:ext cx="8686800" cy="1143000"/>
           </a:xfrm>
         </p:spPr>
@@ -13298,17 +13311,13 @@
               <a:rPr lang="en-GB" sz="4400" dirty="0" smtClean="0"/>
               <a:t>LESSON OUTCOMES</a:t>
             </a:r>
+            <a:r>
+              <a:rPr lang="en-GB" sz="4400" smtClean="0"/>
+              <a:t/>
+            </a:r>
             <a:br>
-              <a:rPr lang="en-GB" sz="4400" dirty="0" smtClean="0"/>
+              <a:rPr lang="en-GB" sz="4400" smtClean="0"/>
             </a:br>
-            <a:r>
-              <a:rPr lang="en-GB" sz="4400" dirty="0" smtClean="0">
-                <a:solidFill>
-                  <a:srgbClr val="FF0000"/>
-                </a:solidFill>
-              </a:rPr>
-              <a:t>ADD LEVELS and DIFFERENTIATION </a:t>
-            </a:r>
             <a:endParaRPr lang="en-GB" sz="4400" dirty="0">
               <a:solidFill>
                 <a:srgbClr val="FF0000"/>
@@ -13317,68 +13326,32 @@
           </a:p>
         </p:txBody>
       </p:sp>
-      <p:sp>
-        <p:nvSpPr>
-          <p:cNvPr id="3" name="Content Placeholder 2"/>
-          <p:cNvSpPr>
-            <a:spLocks noGrp="1"/>
-          </p:cNvSpPr>
+      <p:pic>
+        <p:nvPicPr>
+          <p:cNvPr id="4" name="Content Placeholder 3"/>
+          <p:cNvPicPr>
+            <a:picLocks noGrp="1" noChangeAspect="1"/>
+          </p:cNvPicPr>
           <p:nvPr>
             <p:ph idx="1"/>
           </p:nvPr>
-        </p:nvSpPr>
+        </p:nvPicPr>
+        <p:blipFill>
+          <a:blip r:embed="rId2"/>
+          <a:stretch>
+            <a:fillRect/>
+          </a:stretch>
+        </p:blipFill>
         <p:spPr>
           <a:xfrm>
-            <a:off x="457200" y="1600200"/>
-            <a:ext cx="8229600" cy="5069160"/>
+            <a:off x="467544" y="845884"/>
+            <a:ext cx="8280920" cy="5542434"/>
           </a:xfrm>
+          <a:prstGeom prst="rect">
+            <a:avLst/>
+          </a:prstGeom>
         </p:spPr>
-        <p:txBody>
-          <a:bodyPr>
-            <a:normAutofit lnSpcReduction="10000"/>
-          </a:bodyPr>
-          <a:lstStyle/>
-          <a:p>
-            <a:r>
-              <a:rPr lang="en-GB" sz="2800" b="1" dirty="0" smtClean="0"/>
-              <a:t>I will stay in role during tasks/activities/performances. </a:t>
-            </a:r>
-          </a:p>
-          <a:p>
-            <a:endParaRPr lang="en-GB" sz="2800" b="1" dirty="0"/>
-          </a:p>
-          <a:p>
-            <a:r>
-              <a:rPr lang="en-GB" sz="2800" b="1" dirty="0" smtClean="0"/>
-              <a:t>I will perform a character different to myself during </a:t>
-            </a:r>
-            <a:r>
-              <a:rPr lang="en-GB" sz="2800" b="1" dirty="0"/>
-              <a:t>tasks/activities/performances. </a:t>
-            </a:r>
-            <a:endParaRPr lang="en-GB" sz="2800" b="1" dirty="0" smtClean="0"/>
-          </a:p>
-          <a:p>
-            <a:endParaRPr lang="en-GB" sz="2800" b="1" dirty="0"/>
-          </a:p>
-          <a:p>
-            <a:r>
-              <a:rPr lang="en-GB" sz="2800" b="1" dirty="0" smtClean="0"/>
-              <a:t>I will confidently use drama techniques (thought tracking/still image) during my exploration.</a:t>
-            </a:r>
-          </a:p>
-          <a:p>
-            <a:endParaRPr lang="en-GB" sz="2800" b="1" dirty="0"/>
-          </a:p>
-          <a:p>
-            <a:r>
-              <a:rPr lang="en-GB" sz="2800" b="1" dirty="0" smtClean="0"/>
-              <a:t>I will use P.E.E.E.E.E. when evaluating my own work and the work of my peers.</a:t>
-            </a:r>
-            <a:endParaRPr lang="en-GB" sz="2800" b="1" dirty="0"/>
-          </a:p>
-        </p:txBody>
-      </p:sp>
+      </p:pic>
     </p:spTree>
     <p:extLst>
       <p:ext uri="{BB962C8B-B14F-4D97-AF65-F5344CB8AC3E}">
@@ -13512,7 +13485,7 @@
           </a:effectLst>
           <a:extLst>
             <a:ext uri="{91240B29-F687-4f45-9708-019B960494DF}">
-              <a14:hiddenLine xmlns:a14="http://schemas.microsoft.com/office/drawing/2010/main" xmlns="" w="9525">
+              <a14:hiddenLine xmlns="" xmlns:a14="http://schemas.microsoft.com/office/drawing/2010/main" w="9525">
                 <a:solidFill>
                   <a:schemeClr val="tx1"/>
                 </a:solidFill>
@@ -13522,7 +13495,7 @@
               </a14:hiddenLine>
             </a:ext>
             <a:ext uri="{AF507438-7753-43e0-B8FC-AC1667EBCBE1}">
-              <a14:hiddenEffects xmlns:a14="http://schemas.microsoft.com/office/drawing/2010/main" xmlns="">
+              <a14:hiddenEffects xmlns="" xmlns:a14="http://schemas.microsoft.com/office/drawing/2010/main">
                 <a:effectLst>
                   <a:outerShdw dist="35921" dir="2700000" algn="ctr" rotWithShape="0">
                     <a:schemeClr val="bg2"/>
@@ -13708,7 +13681,7 @@
           </a:effectLst>
           <a:extLst>
             <a:ext uri="{909E8E84-426E-40dd-AFC4-6F175D3DCCD1}">
-              <a14:hiddenFill xmlns:a14="http://schemas.microsoft.com/office/drawing/2010/main" xmlns="">
+              <a14:hiddenFill xmlns="" xmlns:a14="http://schemas.microsoft.com/office/drawing/2010/main">
                 <a:solidFill>
                   <a:srgbClr val="FFFFFF"/>
                 </a:solidFill>
@@ -13835,7 +13808,7 @@
           <a:noFill/>
           <a:extLst>
             <a:ext uri="{909E8E84-426E-40dd-AFC4-6F175D3DCCD1}">
-              <a14:hiddenFill xmlns:a14="http://schemas.microsoft.com/office/drawing/2010/main" xmlns="">
+              <a14:hiddenFill xmlns="" xmlns:a14="http://schemas.microsoft.com/office/drawing/2010/main">
                 <a:solidFill>
                   <a:srgbClr val="FFFFFF"/>
                 </a:solidFill>
@@ -14023,7 +13996,7 @@
           </a:effectLst>
           <a:extLst>
             <a:ext uri="{91240B29-F687-4f45-9708-019B960494DF}">
-              <a14:hiddenLine xmlns:a14="http://schemas.microsoft.com/office/drawing/2010/main" xmlns="" w="9525">
+              <a14:hiddenLine xmlns="" xmlns:a14="http://schemas.microsoft.com/office/drawing/2010/main" w="9525">
                 <a:solidFill>
                   <a:schemeClr val="tx1"/>
                 </a:solidFill>
@@ -14033,7 +14006,7 @@
               </a14:hiddenLine>
             </a:ext>
             <a:ext uri="{AF507438-7753-43e0-B8FC-AC1667EBCBE1}">
-              <a14:hiddenEffects xmlns:a14="http://schemas.microsoft.com/office/drawing/2010/main" xmlns="">
+              <a14:hiddenEffects xmlns="" xmlns:a14="http://schemas.microsoft.com/office/drawing/2010/main">
                 <a:effectLst>
                   <a:outerShdw dist="35921" dir="2700000" algn="ctr" rotWithShape="0">
                     <a:schemeClr val="bg2"/>
